--- a/8 - Netværksangreb mod sofware.pptx
+++ b/8 - Netværksangreb mod sofware.pptx
@@ -10,7 +10,7 @@
     <p:sldId id="262" r:id="rId4"/>
     <p:sldId id="266" r:id="rId5"/>
     <p:sldId id="267" r:id="rId6"/>
-    <p:sldId id="265" r:id="rId7"/>
+    <p:sldId id="268" r:id="rId7"/>
   </p:sldIdLst>
   <p:sldSz cx="12192000" cy="6858000"/>
   <p:notesSz cx="6858000" cy="9144000"/>
@@ -248,7 +248,7 @@
           <a:p>
             <a:fld id="{2D7FE219-F25D-49CA-BAF6-41155C8B64D3}" type="datetimeFigureOut">
               <a:rPr lang="en-US" smtClean="0"/>
-              <a:t>10/24/2021</a:t>
+              <a:t>10/26/2021</a:t>
             </a:fld>
             <a:endParaRPr lang="en-US"/>
           </a:p>
@@ -418,7 +418,7 @@
           <a:p>
             <a:fld id="{2D7FE219-F25D-49CA-BAF6-41155C8B64D3}" type="datetimeFigureOut">
               <a:rPr lang="en-US" smtClean="0"/>
-              <a:t>10/24/2021</a:t>
+              <a:t>10/26/2021</a:t>
             </a:fld>
             <a:endParaRPr lang="en-US"/>
           </a:p>
@@ -598,7 +598,7 @@
           <a:p>
             <a:fld id="{2D7FE219-F25D-49CA-BAF6-41155C8B64D3}" type="datetimeFigureOut">
               <a:rPr lang="en-US" smtClean="0"/>
-              <a:t>10/24/2021</a:t>
+              <a:t>10/26/2021</a:t>
             </a:fld>
             <a:endParaRPr lang="en-US"/>
           </a:p>
@@ -768,7 +768,7 @@
           <a:p>
             <a:fld id="{2D7FE219-F25D-49CA-BAF6-41155C8B64D3}" type="datetimeFigureOut">
               <a:rPr lang="en-US" smtClean="0"/>
-              <a:t>10/24/2021</a:t>
+              <a:t>10/26/2021</a:t>
             </a:fld>
             <a:endParaRPr lang="en-US"/>
           </a:p>
@@ -1014,7 +1014,7 @@
           <a:p>
             <a:fld id="{2D7FE219-F25D-49CA-BAF6-41155C8B64D3}" type="datetimeFigureOut">
               <a:rPr lang="en-US" smtClean="0"/>
-              <a:t>10/24/2021</a:t>
+              <a:t>10/26/2021</a:t>
             </a:fld>
             <a:endParaRPr lang="en-US"/>
           </a:p>
@@ -1246,7 +1246,7 @@
           <a:p>
             <a:fld id="{2D7FE219-F25D-49CA-BAF6-41155C8B64D3}" type="datetimeFigureOut">
               <a:rPr lang="en-US" smtClean="0"/>
-              <a:t>10/24/2021</a:t>
+              <a:t>10/26/2021</a:t>
             </a:fld>
             <a:endParaRPr lang="en-US"/>
           </a:p>
@@ -1613,7 +1613,7 @@
           <a:p>
             <a:fld id="{2D7FE219-F25D-49CA-BAF6-41155C8B64D3}" type="datetimeFigureOut">
               <a:rPr lang="en-US" smtClean="0"/>
-              <a:t>10/24/2021</a:t>
+              <a:t>10/26/2021</a:t>
             </a:fld>
             <a:endParaRPr lang="en-US"/>
           </a:p>
@@ -1731,7 +1731,7 @@
           <a:p>
             <a:fld id="{2D7FE219-F25D-49CA-BAF6-41155C8B64D3}" type="datetimeFigureOut">
               <a:rPr lang="en-US" smtClean="0"/>
-              <a:t>10/24/2021</a:t>
+              <a:t>10/26/2021</a:t>
             </a:fld>
             <a:endParaRPr lang="en-US"/>
           </a:p>
@@ -1826,7 +1826,7 @@
           <a:p>
             <a:fld id="{2D7FE219-F25D-49CA-BAF6-41155C8B64D3}" type="datetimeFigureOut">
               <a:rPr lang="en-US" smtClean="0"/>
-              <a:t>10/24/2021</a:t>
+              <a:t>10/26/2021</a:t>
             </a:fld>
             <a:endParaRPr lang="en-US"/>
           </a:p>
@@ -2103,7 +2103,7 @@
           <a:p>
             <a:fld id="{2D7FE219-F25D-49CA-BAF6-41155C8B64D3}" type="datetimeFigureOut">
               <a:rPr lang="en-US" smtClean="0"/>
-              <a:t>10/24/2021</a:t>
+              <a:t>10/26/2021</a:t>
             </a:fld>
             <a:endParaRPr lang="en-US"/>
           </a:p>
@@ -2356,7 +2356,7 @@
           <a:p>
             <a:fld id="{2D7FE219-F25D-49CA-BAF6-41155C8B64D3}" type="datetimeFigureOut">
               <a:rPr lang="en-US" smtClean="0"/>
-              <a:t>10/24/2021</a:t>
+              <a:t>10/26/2021</a:t>
             </a:fld>
             <a:endParaRPr lang="en-US"/>
           </a:p>
@@ -2569,7 +2569,7 @@
           <a:p>
             <a:fld id="{2D7FE219-F25D-49CA-BAF6-41155C8B64D3}" type="datetimeFigureOut">
               <a:rPr lang="en-US" smtClean="0"/>
-              <a:t>10/24/2021</a:t>
+              <a:t>10/26/2021</a:t>
             </a:fld>
             <a:endParaRPr lang="en-US"/>
           </a:p>
@@ -3989,10 +3989,44 @@
           <a:bodyPr/>
           <a:lstStyle/>
           <a:p>
-            <a:endParaRPr lang="en-US"/>
-          </a:p>
-        </p:txBody>
-      </p:sp>
+            <a:r>
+              <a:rPr lang="en-GB" dirty="0" err="1" smtClean="0"/>
+              <a:t>Wireshark</a:t>
+            </a:r>
+            <a:endParaRPr lang="en-US" dirty="0"/>
+          </a:p>
+        </p:txBody>
+      </p:sp>
+      <p:pic>
+        <p:nvPicPr>
+          <p:cNvPr id="4" name="Picture 3"/>
+          <p:cNvPicPr>
+            <a:picLocks noChangeAspect="1"/>
+          </p:cNvPicPr>
+          <p:nvPr/>
+        </p:nvPicPr>
+        <p:blipFill>
+          <a:blip r:embed="rId2">
+            <a:extLst>
+              <a:ext uri="{28A0092B-C50C-407E-A947-70E740481C1C}">
+                <a14:useLocalDpi xmlns:a14="http://schemas.microsoft.com/office/drawing/2010/main" val="0"/>
+              </a:ext>
+            </a:extLst>
+          </a:blip>
+          <a:stretch>
+            <a:fillRect/>
+          </a:stretch>
+        </p:blipFill>
+        <p:spPr>
+          <a:xfrm>
+            <a:off x="1162510" y="2344115"/>
+            <a:ext cx="5452474" cy="4105023"/>
+          </a:xfrm>
+          <a:prstGeom prst="rect">
+            <a:avLst/>
+          </a:prstGeom>
+        </p:spPr>
+      </p:pic>
     </p:spTree>
     <p:extLst>
       <p:ext uri="{BB962C8B-B14F-4D97-AF65-F5344CB8AC3E}">
@@ -4039,10 +4073,10 @@
           <a:lstStyle/>
           <a:p>
             <a:r>
-              <a:rPr lang="en-GB" dirty="0" smtClean="0">
+              <a:rPr lang="en-GB" dirty="0" err="1" smtClean="0">
                 <a:latin typeface="Bahnschrift Light" panose="020B0502040204020203" pitchFamily="34" charset="0"/>
               </a:rPr>
-              <a:t>DOS</a:t>
+              <a:t>Netværksangreb</a:t>
             </a:r>
             <a:endParaRPr lang="en-US" dirty="0">
               <a:latin typeface="Bahnschrift Light" panose="020B0502040204020203" pitchFamily="34" charset="0"/>
@@ -4078,9 +4112,31 @@
             </a:r>
           </a:p>
           <a:p>
+            <a:pPr lvl="1"/>
             <a:r>
               <a:rPr lang="en-GB" dirty="0" smtClean="0"/>
-              <a:t>SYN flooding</a:t>
+              <a:t>SYN </a:t>
+            </a:r>
+            <a:r>
+              <a:rPr lang="en-GB" dirty="0" smtClean="0"/>
+              <a:t>flooding</a:t>
+            </a:r>
+          </a:p>
+          <a:p>
+            <a:r>
+              <a:rPr lang="en-GB" dirty="0" smtClean="0"/>
+              <a:t>CVE-2019-15846</a:t>
+            </a:r>
+          </a:p>
+          <a:p>
+            <a:pPr lvl="1"/>
+            <a:r>
+              <a:rPr lang="en-GB" dirty="0" smtClean="0"/>
+              <a:t>RCE </a:t>
+            </a:r>
+            <a:r>
+              <a:rPr lang="en-GB" smtClean="0"/>
+              <a:t>with root</a:t>
             </a:r>
             <a:endParaRPr lang="en-US" dirty="0"/>
           </a:p>
@@ -4131,33 +4187,46 @@
           <a:bodyPr/>
           <a:lstStyle/>
           <a:p>
-            <a:endParaRPr lang="en-US" dirty="0"/>
-          </a:p>
-        </p:txBody>
-      </p:sp>
-      <p:sp>
-        <p:nvSpPr>
-          <p:cNvPr id="3" name="Content Placeholder 2"/>
-          <p:cNvSpPr>
-            <a:spLocks noGrp="1"/>
-          </p:cNvSpPr>
-          <p:nvPr>
-            <p:ph idx="1"/>
-          </p:nvPr>
-        </p:nvSpPr>
-        <p:spPr/>
-        <p:txBody>
-          <a:bodyPr/>
-          <a:lstStyle/>
-          <a:p>
-            <a:endParaRPr lang="en-US"/>
-          </a:p>
-        </p:txBody>
-      </p:sp>
+            <a:r>
+              <a:rPr lang="en-GB" dirty="0" smtClean="0">
+                <a:latin typeface="Bahnschrift Light" panose="020B0502040204020203" pitchFamily="34" charset="0"/>
+              </a:rPr>
+              <a:t>Mutation Based-XSS</a:t>
+            </a:r>
+            <a:endParaRPr lang="en-US" dirty="0">
+              <a:latin typeface="Bahnschrift Light" panose="020B0502040204020203" pitchFamily="34" charset="0"/>
+            </a:endParaRPr>
+          </a:p>
+        </p:txBody>
+      </p:sp>
+      <p:pic>
+        <p:nvPicPr>
+          <p:cNvPr id="4" name="Picture 3"/>
+          <p:cNvPicPr>
+            <a:picLocks noChangeAspect="1"/>
+          </p:cNvPicPr>
+          <p:nvPr/>
+        </p:nvPicPr>
+        <p:blipFill>
+          <a:blip r:embed="rId2"/>
+          <a:stretch>
+            <a:fillRect/>
+          </a:stretch>
+        </p:blipFill>
+        <p:spPr>
+          <a:xfrm>
+            <a:off x="2718916" y="2294752"/>
+            <a:ext cx="6754168" cy="2448267"/>
+          </a:xfrm>
+          <a:prstGeom prst="rect">
+            <a:avLst/>
+          </a:prstGeom>
+        </p:spPr>
+      </p:pic>
     </p:spTree>
     <p:extLst>
       <p:ext uri="{BB962C8B-B14F-4D97-AF65-F5344CB8AC3E}">
-        <p14:creationId xmlns:p14="http://schemas.microsoft.com/office/powerpoint/2010/main" val="1503468034"/>
+        <p14:creationId xmlns:p14="http://schemas.microsoft.com/office/powerpoint/2010/main" val="4968742"/>
       </p:ext>
     </p:extLst>
   </p:cSld>
